--- a/test1.pptx
+++ b/test1.pptx
@@ -3107,7 +3107,7 @@
           <a:lstStyle/>
           <a:p>
             <a:r>
-              <a:t>Maandrapportage van: November 2024.</a:t>
+              <a:t>Maandrapportage van: November 2024</a:t>
             </a:r>
           </a:p>
         </p:txBody>
@@ -3208,6 +3208,54 @@
       <p:pic>
         <p:nvPicPr>
           <p:cNvPr id="8" name="Picture 7" descr="image.png"/>
+          <p:cNvPicPr>
+            <a:picLocks noChangeAspect="1"/>
+          </p:cNvPicPr>
+          <p:nvPr/>
+        </p:nvPicPr>
+        <p:blipFill>
+          <a:blip r:embed="rId2"/>
+          <a:stretch>
+            <a:fillRect/>
+          </a:stretch>
+        </p:blipFill>
+        <p:spPr>
+          <a:xfrm>
+            <a:off x="7315200" y="182880"/>
+            <a:ext cx="1645920" cy="914400"/>
+          </a:xfrm>
+          <a:prstGeom prst="rect">
+            <a:avLst/>
+          </a:prstGeom>
+        </p:spPr>
+      </p:pic>
+      <p:pic>
+        <p:nvPicPr>
+          <p:cNvPr id="9" name="Picture 8" descr="image.png"/>
+          <p:cNvPicPr>
+            <a:picLocks noChangeAspect="1"/>
+          </p:cNvPicPr>
+          <p:nvPr/>
+        </p:nvPicPr>
+        <p:blipFill>
+          <a:blip r:embed="rId2"/>
+          <a:stretch>
+            <a:fillRect/>
+          </a:stretch>
+        </p:blipFill>
+        <p:spPr>
+          <a:xfrm>
+            <a:off x="7315200" y="182880"/>
+            <a:ext cx="1645920" cy="914400"/>
+          </a:xfrm>
+          <a:prstGeom prst="rect">
+            <a:avLst/>
+          </a:prstGeom>
+        </p:spPr>
+      </p:pic>
+      <p:pic>
+        <p:nvPicPr>
+          <p:cNvPr id="10" name="Picture 9" descr="image.png"/>
           <p:cNvPicPr>
             <a:picLocks noChangeAspect="1"/>
           </p:cNvPicPr>
